--- a/examples/pannagram_overview.pptx
+++ b/examples/pannagram_overview.pptx
@@ -124,7 +124,7 @@
 <file path=ppt/revisionInfo.xml><?xml version="1.0" encoding="utf-8"?>
 <p1510:revInfo xmlns:a="http://schemas.openxmlformats.org/drawingml/2006/main" xmlns:r="http://schemas.openxmlformats.org/officeDocument/2006/relationships" xmlns:p1510="http://schemas.microsoft.com/office/powerpoint/2015/10/main">
   <p1510:revLst>
-    <p1510:client id="{A59AE15B-302D-4945-A85A-29F31014E6E4}" v="35" dt="2023-12-08T20:28:08.081"/>
+    <p1510:client id="{A59AE15B-302D-4945-A85A-29F31014E6E4}" v="36" dt="2023-12-09T11:32:30.801"/>
   </p1510:revLst>
 </p1510:revInfo>
 </file>
@@ -133,11 +133,26 @@
 <pc:chgInfo xmlns:a="http://schemas.openxmlformats.org/drawingml/2006/main" xmlns:r="http://schemas.openxmlformats.org/officeDocument/2006/relationships" xmlns:ac="http://schemas.microsoft.com/office/drawing/2013/main/command" xmlns:pc="http://schemas.microsoft.com/office/powerpoint/2013/main/command">
   <pc:docChgLst>
     <pc:chgData name="Ann Igolkina" userId="4d1b5d7ddf2bbc78" providerId="LiveId" clId="{A59AE15B-302D-4945-A85A-29F31014E6E4}"/>
-    <pc:docChg chg="modSld">
-      <pc:chgData name="Ann Igolkina" userId="4d1b5d7ddf2bbc78" providerId="LiveId" clId="{A59AE15B-302D-4945-A85A-29F31014E6E4}" dt="2023-12-09T00:06:29.095" v="47" actId="1076"/>
+    <pc:docChg chg="custSel modSld">
+      <pc:chgData name="Ann Igolkina" userId="4d1b5d7ddf2bbc78" providerId="LiveId" clId="{A59AE15B-302D-4945-A85A-29F31014E6E4}" dt="2023-12-09T11:32:50.798" v="51" actId="478"/>
       <pc:docMkLst>
         <pc:docMk/>
       </pc:docMkLst>
+      <pc:sldChg chg="addSp delSp modSp mod">
+        <pc:chgData name="Ann Igolkina" userId="4d1b5d7ddf2bbc78" providerId="LiveId" clId="{A59AE15B-302D-4945-A85A-29F31014E6E4}" dt="2023-12-09T11:32:50.798" v="51" actId="478"/>
+        <pc:sldMkLst>
+          <pc:docMk/>
+          <pc:sldMk cId="197242123" sldId="257"/>
+        </pc:sldMkLst>
+        <pc:picChg chg="add del mod">
+          <ac:chgData name="Ann Igolkina" userId="4d1b5d7ddf2bbc78" providerId="LiveId" clId="{A59AE15B-302D-4945-A85A-29F31014E6E4}" dt="2023-12-09T11:32:50.798" v="51" actId="478"/>
+          <ac:picMkLst>
+            <pc:docMk/>
+            <pc:sldMk cId="197242123" sldId="257"/>
+            <ac:picMk id="7" creationId="{1054F57F-915F-78A6-2E1A-C850AF991E4B}"/>
+          </ac:picMkLst>
+        </pc:picChg>
+      </pc:sldChg>
       <pc:sldChg chg="addSp modSp mod">
         <pc:chgData name="Ann Igolkina" userId="4d1b5d7ddf2bbc78" providerId="LiveId" clId="{A59AE15B-302D-4945-A85A-29F31014E6E4}" dt="2023-12-09T00:06:29.095" v="47" actId="1076"/>
         <pc:sldMkLst>
